--- a/modules/PPT/Mortality2.pptx
+++ b/modules/PPT/Mortality2.pptx
@@ -5,10 +5,10 @@
     <p:sldMasterId id="2147483648" r:id="rId1"/>
   </p:sldMasterIdLst>
   <p:notesMasterIdLst>
-    <p:notesMasterId r:id="rId25"/>
+    <p:notesMasterId r:id="rId27"/>
   </p:notesMasterIdLst>
   <p:handoutMasterIdLst>
-    <p:handoutMasterId r:id="rId26"/>
+    <p:handoutMasterId r:id="rId28"/>
   </p:handoutMasterIdLst>
   <p:sldIdLst>
     <p:sldId id="256" r:id="rId2"/>
@@ -24,16 +24,18 @@
     <p:sldId id="313" r:id="rId12"/>
     <p:sldId id="314" r:id="rId13"/>
     <p:sldId id="315" r:id="rId14"/>
-    <p:sldId id="316" r:id="rId15"/>
-    <p:sldId id="317" r:id="rId16"/>
-    <p:sldId id="318" r:id="rId17"/>
-    <p:sldId id="319" r:id="rId18"/>
-    <p:sldId id="320" r:id="rId19"/>
-    <p:sldId id="321" r:id="rId20"/>
-    <p:sldId id="322" r:id="rId21"/>
-    <p:sldId id="323" r:id="rId22"/>
-    <p:sldId id="324" r:id="rId23"/>
-    <p:sldId id="325" r:id="rId24"/>
+    <p:sldId id="327" r:id="rId15"/>
+    <p:sldId id="328" r:id="rId16"/>
+    <p:sldId id="316" r:id="rId17"/>
+    <p:sldId id="317" r:id="rId18"/>
+    <p:sldId id="318" r:id="rId19"/>
+    <p:sldId id="319" r:id="rId20"/>
+    <p:sldId id="320" r:id="rId21"/>
+    <p:sldId id="321" r:id="rId22"/>
+    <p:sldId id="322" r:id="rId23"/>
+    <p:sldId id="323" r:id="rId24"/>
+    <p:sldId id="324" r:id="rId25"/>
+    <p:sldId id="325" r:id="rId26"/>
   </p:sldIdLst>
   <p:sldSz cx="9144000" cy="6858000" type="screen4x3"/>
   <p:notesSz cx="6858000" cy="9190038"/>
@@ -1248,7 +1250,7 @@
             <a:fld id="{90DA5176-CD48-4645-8A68-A0B4376181E0}" type="slidenum">
               <a:rPr lang="en-US" smtClean="0"/>
               <a:pPr/>
-              <a:t>14</a:t>
+              <a:t>16</a:t>
             </a:fld>
             <a:endParaRPr lang="en-US"/>
           </a:p>
@@ -4102,7 +4104,7 @@
 </file>
 
 <file path=ppt/slides/slide1.xml><?xml version="1.0" encoding="utf-8"?>
-<p:sld xmlns:a="http://schemas.openxmlformats.org/drawingml/2006/main" xmlns:r="http://schemas.openxmlformats.org/officeDocument/2006/relationships" xmlns:p="http://schemas.openxmlformats.org/presentationml/2006/main">
+<p:sld xmlns:a="http://schemas.openxmlformats.org/drawingml/2006/main" xmlns:r="http://schemas.openxmlformats.org/officeDocument/2006/relationships" xmlns:p="http://schemas.openxmlformats.org/presentationml/2006/main" show="0">
   <p:cSld>
     <p:spTree>
       <p:nvGrpSpPr>
@@ -4865,6 +4867,14 @@
   <p:clrMapOvr>
     <a:masterClrMapping/>
   </p:clrMapOvr>
+  <mc:AlternateContent xmlns:mc="http://schemas.openxmlformats.org/markup-compatibility/2006">
+    <mc:Choice xmlns:p14="http://schemas.microsoft.com/office/powerpoint/2010/main" Requires="p14">
+      <p:transition spd="slow" p14:dur="2000"/>
+    </mc:Choice>
+    <mc:Fallback>
+      <p:transition spd="slow"/>
+    </mc:Fallback>
+  </mc:AlternateContent>
   <p:timing>
     <p:tnLst>
       <p:par>
@@ -5000,7 +5010,7 @@
 </file>
 
 <file path=ppt/slides/slide10.xml><?xml version="1.0" encoding="utf-8"?>
-<p:sld xmlns:a="http://schemas.openxmlformats.org/drawingml/2006/main" xmlns:r="http://schemas.openxmlformats.org/officeDocument/2006/relationships" xmlns:p="http://schemas.openxmlformats.org/presentationml/2006/main">
+<p:sld xmlns:a="http://schemas.openxmlformats.org/drawingml/2006/main" xmlns:r="http://schemas.openxmlformats.org/officeDocument/2006/relationships" xmlns:p="http://schemas.openxmlformats.org/presentationml/2006/main" show="0">
   <p:cSld>
     <p:spTree>
       <p:nvGrpSpPr>
@@ -5196,6 +5206,14 @@
   <p:clrMapOvr>
     <a:masterClrMapping/>
   </p:clrMapOvr>
+  <mc:AlternateContent xmlns:mc="http://schemas.openxmlformats.org/markup-compatibility/2006">
+    <mc:Choice xmlns:p14="http://schemas.microsoft.com/office/powerpoint/2010/main" Requires="p14">
+      <p:transition spd="slow" p14:dur="2000"/>
+    </mc:Choice>
+    <mc:Fallback>
+      <p:transition spd="slow"/>
+    </mc:Fallback>
+  </mc:AlternateContent>
   <p:timing>
     <p:tnLst>
       <p:par>
@@ -6377,6 +6395,266 @@
           <a:lstStyle/>
           <a:p>
             <a:r>
+              <a:rPr lang="en-US" dirty="0"/>
+              <a:t>Estimating M</a:t>
+            </a:r>
+          </a:p>
+        </p:txBody>
+      </p:sp>
+      <p:sp>
+        <p:nvSpPr>
+          <p:cNvPr id="4" name="Footer Placeholder 3"/>
+          <p:cNvSpPr>
+            <a:spLocks noGrp="1"/>
+          </p:cNvSpPr>
+          <p:nvPr>
+            <p:ph type="ftr" sz="quarter" idx="10"/>
+          </p:nvPr>
+        </p:nvSpPr>
+        <p:spPr/>
+        <p:txBody>
+          <a:bodyPr/>
+          <a:lstStyle/>
+          <a:p>
+            <a:r>
+              <a:rPr lang="en-US" smtClean="0"/>
+              <a:t>Catch Curves</a:t>
+            </a:r>
+            <a:endParaRPr lang="en-US"/>
+          </a:p>
+        </p:txBody>
+      </p:sp>
+      <p:sp>
+        <p:nvSpPr>
+          <p:cNvPr id="5" name="Slide Number Placeholder 4"/>
+          <p:cNvSpPr>
+            <a:spLocks noGrp="1"/>
+          </p:cNvSpPr>
+          <p:nvPr>
+            <p:ph type="sldNum" sz="quarter" idx="11"/>
+          </p:nvPr>
+        </p:nvSpPr>
+        <p:spPr/>
+        <p:txBody>
+          <a:bodyPr/>
+          <a:lstStyle/>
+          <a:p>
+            <a:fld id="{CD41EA97-E434-4B42-9B1A-D37266F43B39}" type="slidenum">
+              <a:rPr lang="en-US" smtClean="0"/>
+              <a:pPr/>
+              <a:t>14</a:t>
+            </a:fld>
+            <a:endParaRPr lang="en-US"/>
+          </a:p>
+        </p:txBody>
+      </p:sp>
+      <p:pic>
+        <p:nvPicPr>
+          <p:cNvPr id="6" name="Picture 5"/>
+          <p:cNvPicPr>
+            <a:picLocks noChangeAspect="1"/>
+          </p:cNvPicPr>
+          <p:nvPr/>
+        </p:nvPicPr>
+        <p:blipFill>
+          <a:blip r:embed="rId2"/>
+          <a:stretch>
+            <a:fillRect/>
+          </a:stretch>
+        </p:blipFill>
+        <p:spPr>
+          <a:xfrm>
+            <a:off x="83267" y="1134374"/>
+            <a:ext cx="8962570" cy="5190226"/>
+          </a:xfrm>
+          <a:prstGeom prst="rect">
+            <a:avLst/>
+          </a:prstGeom>
+        </p:spPr>
+      </p:pic>
+    </p:spTree>
+    <p:extLst>
+      <p:ext uri="{BB962C8B-B14F-4D97-AF65-F5344CB8AC3E}">
+        <p14:creationId xmlns:p14="http://schemas.microsoft.com/office/powerpoint/2010/main" val="2564741887"/>
+      </p:ext>
+    </p:extLst>
+  </p:cSld>
+  <p:clrMapOvr>
+    <a:masterClrMapping/>
+  </p:clrMapOvr>
+  <p:timing>
+    <p:tnLst>
+      <p:par>
+        <p:cTn id="1" dur="indefinite" restart="never" nodeType="tmRoot"/>
+      </p:par>
+    </p:tnLst>
+  </p:timing>
+</p:sld>
+</file>
+
+<file path=ppt/slides/slide15.xml><?xml version="1.0" encoding="utf-8"?>
+<p:sld xmlns:a="http://schemas.openxmlformats.org/drawingml/2006/main" xmlns:r="http://schemas.openxmlformats.org/officeDocument/2006/relationships" xmlns:p="http://schemas.openxmlformats.org/presentationml/2006/main">
+  <p:cSld>
+    <p:spTree>
+      <p:nvGrpSpPr>
+        <p:cNvPr id="1" name=""/>
+        <p:cNvGrpSpPr/>
+        <p:nvPr/>
+      </p:nvGrpSpPr>
+      <p:grpSpPr>
+        <a:xfrm>
+          <a:off x="0" y="0"/>
+          <a:ext cx="0" cy="0"/>
+          <a:chOff x="0" y="0"/>
+          <a:chExt cx="0" cy="0"/>
+        </a:xfrm>
+      </p:grpSpPr>
+      <p:sp>
+        <p:nvSpPr>
+          <p:cNvPr id="2" name="Title 1"/>
+          <p:cNvSpPr>
+            <a:spLocks noGrp="1"/>
+          </p:cNvSpPr>
+          <p:nvPr>
+            <p:ph type="title"/>
+          </p:nvPr>
+        </p:nvSpPr>
+        <p:spPr/>
+        <p:txBody>
+          <a:bodyPr/>
+          <a:lstStyle/>
+          <a:p>
+            <a:r>
+              <a:rPr lang="en-US" dirty="0"/>
+              <a:t>Estimating M</a:t>
+            </a:r>
+          </a:p>
+        </p:txBody>
+      </p:sp>
+      <p:sp>
+        <p:nvSpPr>
+          <p:cNvPr id="4" name="Footer Placeholder 3"/>
+          <p:cNvSpPr>
+            <a:spLocks noGrp="1"/>
+          </p:cNvSpPr>
+          <p:nvPr>
+            <p:ph type="ftr" sz="quarter" idx="10"/>
+          </p:nvPr>
+        </p:nvSpPr>
+        <p:spPr/>
+        <p:txBody>
+          <a:bodyPr/>
+          <a:lstStyle/>
+          <a:p>
+            <a:r>
+              <a:rPr lang="en-US" smtClean="0"/>
+              <a:t>Catch Curves</a:t>
+            </a:r>
+            <a:endParaRPr lang="en-US"/>
+          </a:p>
+        </p:txBody>
+      </p:sp>
+      <p:sp>
+        <p:nvSpPr>
+          <p:cNvPr id="5" name="Slide Number Placeholder 4"/>
+          <p:cNvSpPr>
+            <a:spLocks noGrp="1"/>
+          </p:cNvSpPr>
+          <p:nvPr>
+            <p:ph type="sldNum" sz="quarter" idx="11"/>
+          </p:nvPr>
+        </p:nvSpPr>
+        <p:spPr/>
+        <p:txBody>
+          <a:bodyPr/>
+          <a:lstStyle/>
+          <a:p>
+            <a:fld id="{CD41EA97-E434-4B42-9B1A-D37266F43B39}" type="slidenum">
+              <a:rPr lang="en-US" smtClean="0"/>
+              <a:pPr/>
+              <a:t>15</a:t>
+            </a:fld>
+            <a:endParaRPr lang="en-US"/>
+          </a:p>
+        </p:txBody>
+      </p:sp>
+      <p:pic>
+        <p:nvPicPr>
+          <p:cNvPr id="6" name="Picture 5"/>
+          <p:cNvPicPr>
+            <a:picLocks noChangeAspect="1"/>
+          </p:cNvPicPr>
+          <p:nvPr/>
+        </p:nvPicPr>
+        <p:blipFill>
+          <a:blip r:embed="rId2"/>
+          <a:stretch>
+            <a:fillRect/>
+          </a:stretch>
+        </p:blipFill>
+        <p:spPr>
+          <a:xfrm>
+            <a:off x="228600" y="1524000"/>
+            <a:ext cx="8737600" cy="3276600"/>
+          </a:xfrm>
+          <a:prstGeom prst="rect">
+            <a:avLst/>
+          </a:prstGeom>
+        </p:spPr>
+      </p:pic>
+    </p:spTree>
+    <p:extLst>
+      <p:ext uri="{BB962C8B-B14F-4D97-AF65-F5344CB8AC3E}">
+        <p14:creationId xmlns:p14="http://schemas.microsoft.com/office/powerpoint/2010/main" val="2547660589"/>
+      </p:ext>
+    </p:extLst>
+  </p:cSld>
+  <p:clrMapOvr>
+    <a:masterClrMapping/>
+  </p:clrMapOvr>
+  <p:timing>
+    <p:tnLst>
+      <p:par>
+        <p:cTn id="1" dur="indefinite" restart="never" nodeType="tmRoot"/>
+      </p:par>
+    </p:tnLst>
+  </p:timing>
+</p:sld>
+</file>
+
+<file path=ppt/slides/slide16.xml><?xml version="1.0" encoding="utf-8"?>
+<p:sld xmlns:a="http://schemas.openxmlformats.org/drawingml/2006/main" xmlns:r="http://schemas.openxmlformats.org/officeDocument/2006/relationships" xmlns:p="http://schemas.openxmlformats.org/presentationml/2006/main" show="0">
+  <p:cSld>
+    <p:spTree>
+      <p:nvGrpSpPr>
+        <p:cNvPr id="1" name=""/>
+        <p:cNvGrpSpPr/>
+        <p:nvPr/>
+      </p:nvGrpSpPr>
+      <p:grpSpPr>
+        <a:xfrm>
+          <a:off x="0" y="0"/>
+          <a:ext cx="0" cy="0"/>
+          <a:chOff x="0" y="0"/>
+          <a:chExt cx="0" cy="0"/>
+        </a:xfrm>
+      </p:grpSpPr>
+      <p:sp>
+        <p:nvSpPr>
+          <p:cNvPr id="2" name="Title 1"/>
+          <p:cNvSpPr>
+            <a:spLocks noGrp="1"/>
+          </p:cNvSpPr>
+          <p:nvPr>
+            <p:ph type="title"/>
+          </p:nvPr>
+        </p:nvSpPr>
+        <p:spPr/>
+        <p:txBody>
+          <a:bodyPr/>
+          <a:lstStyle/>
+          <a:p>
+            <a:r>
               <a:rPr lang="en-US" dirty="0" smtClean="0"/>
               <a:t>Estimating M</a:t>
             </a:r>
@@ -6559,7 +6837,7 @@
             <a:fld id="{CD41EA97-E434-4B42-9B1A-D37266F43B39}" type="slidenum">
               <a:rPr lang="en-US" smtClean="0"/>
               <a:pPr/>
-              <a:t>14</a:t>
+              <a:t>16</a:t>
             </a:fld>
             <a:endParaRPr lang="en-US"/>
           </a:p>
@@ -6575,6 +6853,14 @@
   <p:clrMapOvr>
     <a:masterClrMapping/>
   </p:clrMapOvr>
+  <mc:AlternateContent xmlns:mc="http://schemas.openxmlformats.org/markup-compatibility/2006">
+    <mc:Choice xmlns:p14="http://schemas.microsoft.com/office/powerpoint/2010/main" Requires="p14">
+      <p:transition spd="slow" p14:dur="2000"/>
+    </mc:Choice>
+    <mc:Fallback>
+      <p:transition spd="slow"/>
+    </mc:Fallback>
+  </mc:AlternateContent>
   <p:timing>
     <p:tnLst>
       <p:par>
@@ -6853,8 +7139,8 @@
 </p:sld>
 </file>
 
-<file path=ppt/slides/slide15.xml><?xml version="1.0" encoding="utf-8"?>
-<p:sld xmlns:a="http://schemas.openxmlformats.org/drawingml/2006/main" xmlns:r="http://schemas.openxmlformats.org/officeDocument/2006/relationships" xmlns:p="http://schemas.openxmlformats.org/presentationml/2006/main">
+<file path=ppt/slides/slide17.xml><?xml version="1.0" encoding="utf-8"?>
+<p:sld xmlns:a="http://schemas.openxmlformats.org/drawingml/2006/main" xmlns:r="http://schemas.openxmlformats.org/officeDocument/2006/relationships" xmlns:p="http://schemas.openxmlformats.org/presentationml/2006/main" show="0">
   <p:cSld>
     <p:spTree>
       <p:nvGrpSpPr>
@@ -7207,7 +7493,7 @@
             <a:fld id="{CD41EA97-E434-4B42-9B1A-D37266F43B39}" type="slidenum">
               <a:rPr lang="en-US" smtClean="0"/>
               <a:pPr/>
-              <a:t>15</a:t>
+              <a:t>17</a:t>
             </a:fld>
             <a:endParaRPr lang="en-US"/>
           </a:p>
@@ -7223,6 +7509,14 @@
   <p:clrMapOvr>
     <a:masterClrMapping/>
   </p:clrMapOvr>
+  <mc:AlternateContent xmlns:mc="http://schemas.openxmlformats.org/markup-compatibility/2006">
+    <mc:Choice xmlns:p14="http://schemas.microsoft.com/office/powerpoint/2010/main" Requires="p14">
+      <p:transition spd="slow" p14:dur="2000"/>
+    </mc:Choice>
+    <mc:Fallback>
+      <p:transition spd="slow"/>
+    </mc:Fallback>
+  </mc:AlternateContent>
   <p:timing>
     <p:tnLst>
       <p:par>
@@ -7357,8 +7651,8 @@
 </p:sld>
 </file>
 
-<file path=ppt/slides/slide16.xml><?xml version="1.0" encoding="utf-8"?>
-<p:sld xmlns:a="http://schemas.openxmlformats.org/drawingml/2006/main" xmlns:r="http://schemas.openxmlformats.org/officeDocument/2006/relationships" xmlns:p="http://schemas.openxmlformats.org/presentationml/2006/main">
+<file path=ppt/slides/slide18.xml><?xml version="1.0" encoding="utf-8"?>
+<p:sld xmlns:a="http://schemas.openxmlformats.org/drawingml/2006/main" xmlns:r="http://schemas.openxmlformats.org/officeDocument/2006/relationships" xmlns:p="http://schemas.openxmlformats.org/presentationml/2006/main" show="0">
   <p:cSld>
     <p:spTree>
       <p:nvGrpSpPr>
@@ -7463,7 +7757,7 @@
             <a:fld id="{CD41EA97-E434-4B42-9B1A-D37266F43B39}" type="slidenum">
               <a:rPr lang="en-US" smtClean="0"/>
               <a:pPr/>
-              <a:t>16</a:t>
+              <a:t>18</a:t>
             </a:fld>
             <a:endParaRPr lang="en-US"/>
           </a:p>
@@ -7527,6 +7821,14 @@
   <p:clrMapOvr>
     <a:masterClrMapping/>
   </p:clrMapOvr>
+  <mc:AlternateContent xmlns:mc="http://schemas.openxmlformats.org/markup-compatibility/2006">
+    <mc:Choice xmlns:p14="http://schemas.microsoft.com/office/powerpoint/2010/main" Requires="p14">
+      <p:transition spd="slow" p14:dur="2000"/>
+    </mc:Choice>
+    <mc:Fallback>
+      <p:transition spd="slow"/>
+    </mc:Fallback>
+  </mc:AlternateContent>
   <p:timing>
     <p:tnLst>
       <p:par>
@@ -7605,8 +7907,8 @@
 </p:sld>
 </file>
 
-<file path=ppt/slides/slide17.xml><?xml version="1.0" encoding="utf-8"?>
-<p:sld xmlns:a="http://schemas.openxmlformats.org/drawingml/2006/main" xmlns:r="http://schemas.openxmlformats.org/officeDocument/2006/relationships" xmlns:p="http://schemas.openxmlformats.org/presentationml/2006/main">
+<file path=ppt/slides/slide19.xml><?xml version="1.0" encoding="utf-8"?>
+<p:sld xmlns:a="http://schemas.openxmlformats.org/drawingml/2006/main" xmlns:r="http://schemas.openxmlformats.org/officeDocument/2006/relationships" xmlns:p="http://schemas.openxmlformats.org/presentationml/2006/main" show="0">
   <p:cSld>
     <p:spTree>
       <p:nvGrpSpPr>
@@ -7713,7 +8015,7 @@
             <a:fld id="{CD41EA97-E434-4B42-9B1A-D37266F43B39}" type="slidenum">
               <a:rPr lang="en-US" smtClean="0"/>
               <a:pPr/>
-              <a:t>17</a:t>
+              <a:t>19</a:t>
             </a:fld>
             <a:endParaRPr lang="en-US"/>
           </a:p>
@@ -7801,6 +8103,14 @@
   <p:clrMapOvr>
     <a:masterClrMapping/>
   </p:clrMapOvr>
+  <mc:AlternateContent xmlns:mc="http://schemas.openxmlformats.org/markup-compatibility/2006">
+    <mc:Choice xmlns:p14="http://schemas.microsoft.com/office/powerpoint/2010/main" Requires="p14">
+      <p:transition spd="slow" p14:dur="2000"/>
+    </mc:Choice>
+    <mc:Fallback>
+      <p:transition spd="slow"/>
+    </mc:Fallback>
+  </mc:AlternateContent>
   <p:timing>
     <p:tnLst>
       <p:par>
@@ -7906,291 +8216,8 @@
 </p:sld>
 </file>
 
-<file path=ppt/slides/slide18.xml><?xml version="1.0" encoding="utf-8"?>
-<p:sld xmlns:a="http://schemas.openxmlformats.org/drawingml/2006/main" xmlns:r="http://schemas.openxmlformats.org/officeDocument/2006/relationships" xmlns:p="http://schemas.openxmlformats.org/presentationml/2006/main">
-  <p:cSld>
-    <p:spTree>
-      <p:nvGrpSpPr>
-        <p:cNvPr id="1" name=""/>
-        <p:cNvGrpSpPr/>
-        <p:nvPr/>
-      </p:nvGrpSpPr>
-      <p:grpSpPr>
-        <a:xfrm>
-          <a:off x="0" y="0"/>
-          <a:ext cx="0" cy="0"/>
-          <a:chOff x="0" y="0"/>
-          <a:chExt cx="0" cy="0"/>
-        </a:xfrm>
-      </p:grpSpPr>
-      <p:sp>
-        <p:nvSpPr>
-          <p:cNvPr id="2" name="Title 1"/>
-          <p:cNvSpPr>
-            <a:spLocks noGrp="1"/>
-          </p:cNvSpPr>
-          <p:nvPr>
-            <p:ph type="title"/>
-          </p:nvPr>
-        </p:nvSpPr>
-        <p:spPr/>
-        <p:txBody>
-          <a:bodyPr/>
-          <a:lstStyle/>
-          <a:p>
-            <a:r>
-              <a:rPr lang="en-US" dirty="0" smtClean="0"/>
-              <a:t>Estimating u</a:t>
-            </a:r>
-            <a:endParaRPr lang="en-US" dirty="0"/>
-          </a:p>
-        </p:txBody>
-      </p:sp>
-      <p:sp>
-        <p:nvSpPr>
-          <p:cNvPr id="3" name="Content Placeholder 2"/>
-          <p:cNvSpPr>
-            <a:spLocks noGrp="1"/>
-          </p:cNvSpPr>
-          <p:nvPr>
-            <p:ph idx="1"/>
-          </p:nvPr>
-        </p:nvSpPr>
-        <p:spPr>
-          <a:xfrm>
-            <a:off x="457200" y="1143000"/>
-            <a:ext cx="8610600" cy="5334000"/>
-          </a:xfrm>
-        </p:spPr>
-        <p:txBody>
-          <a:bodyPr/>
-          <a:lstStyle/>
-          <a:p>
-            <a:r>
-              <a:rPr lang="en-US" dirty="0" smtClean="0"/>
-              <a:t>Divide annual harvest by estimate of N.</a:t>
-            </a:r>
-          </a:p>
-          <a:p>
-            <a:endParaRPr lang="en-US" dirty="0"/>
-          </a:p>
-          <a:p>
-            <a:r>
-              <a:rPr lang="en-US" dirty="0" smtClean="0"/>
-              <a:t>Divide harvested tagged fish by number of tagged fish released.</a:t>
-            </a:r>
-          </a:p>
-          <a:p>
-            <a:endParaRPr lang="en-US" dirty="0"/>
-          </a:p>
-          <a:p>
-            <a:r>
-              <a:rPr lang="en-US" b="1" dirty="0" smtClean="0">
-                <a:solidFill>
-                  <a:srgbClr val="FF0000"/>
-                </a:solidFill>
-              </a:rPr>
-              <a:t>Recall that these estimates are only valid if ratios of fishing and natural mortality are constant throughout the year.</a:t>
-            </a:r>
-            <a:endParaRPr lang="en-US" b="1" dirty="0">
-              <a:solidFill>
-                <a:srgbClr val="FF0000"/>
-              </a:solidFill>
-            </a:endParaRPr>
-          </a:p>
-        </p:txBody>
-      </p:sp>
-      <p:sp>
-        <p:nvSpPr>
-          <p:cNvPr id="4" name="Footer Placeholder 3"/>
-          <p:cNvSpPr>
-            <a:spLocks noGrp="1"/>
-          </p:cNvSpPr>
-          <p:nvPr>
-            <p:ph type="ftr" sz="quarter" idx="10"/>
-          </p:nvPr>
-        </p:nvSpPr>
-        <p:spPr/>
-        <p:txBody>
-          <a:bodyPr/>
-          <a:lstStyle/>
-          <a:p>
-            <a:r>
-              <a:rPr lang="en-US" smtClean="0"/>
-              <a:t>Mortality Components</a:t>
-            </a:r>
-            <a:endParaRPr lang="en-US"/>
-          </a:p>
-        </p:txBody>
-      </p:sp>
-      <p:sp>
-        <p:nvSpPr>
-          <p:cNvPr id="5" name="Slide Number Placeholder 4"/>
-          <p:cNvSpPr>
-            <a:spLocks noGrp="1"/>
-          </p:cNvSpPr>
-          <p:nvPr>
-            <p:ph type="sldNum" sz="quarter" idx="11"/>
-          </p:nvPr>
-        </p:nvSpPr>
-        <p:spPr/>
-        <p:txBody>
-          <a:bodyPr/>
-          <a:lstStyle/>
-          <a:p>
-            <a:fld id="{CD41EA97-E434-4B42-9B1A-D37266F43B39}" type="slidenum">
-              <a:rPr lang="en-US" smtClean="0"/>
-              <a:pPr/>
-              <a:t>18</a:t>
-            </a:fld>
-            <a:endParaRPr lang="en-US"/>
-          </a:p>
-        </p:txBody>
-      </p:sp>
-    </p:spTree>
-    <p:extLst>
-      <p:ext uri="{BB962C8B-B14F-4D97-AF65-F5344CB8AC3E}">
-        <p14:creationId xmlns:p14="http://schemas.microsoft.com/office/powerpoint/2010/main" val="4070222619"/>
-      </p:ext>
-    </p:extLst>
-  </p:cSld>
-  <p:clrMapOvr>
-    <a:masterClrMapping/>
-  </p:clrMapOvr>
-  <p:timing>
-    <p:tnLst>
-      <p:par>
-        <p:cTn id="1" dur="indefinite" restart="never" nodeType="tmRoot"/>
-      </p:par>
-    </p:tnLst>
-  </p:timing>
-</p:sld>
-</file>
-
-<file path=ppt/slides/slide19.xml><?xml version="1.0" encoding="utf-8"?>
-<p:sld xmlns:a="http://schemas.openxmlformats.org/drawingml/2006/main" xmlns:r="http://schemas.openxmlformats.org/officeDocument/2006/relationships" xmlns:p="http://schemas.openxmlformats.org/presentationml/2006/main">
-  <p:cSld>
-    <p:spTree>
-      <p:nvGrpSpPr>
-        <p:cNvPr id="1" name=""/>
-        <p:cNvGrpSpPr/>
-        <p:nvPr/>
-      </p:nvGrpSpPr>
-      <p:grpSpPr>
-        <a:xfrm>
-          <a:off x="0" y="0"/>
-          <a:ext cx="0" cy="0"/>
-          <a:chOff x="0" y="0"/>
-          <a:chExt cx="0" cy="0"/>
-        </a:xfrm>
-      </p:grpSpPr>
-      <p:sp>
-        <p:nvSpPr>
-          <p:cNvPr id="2" name="Title 1"/>
-          <p:cNvSpPr>
-            <a:spLocks noGrp="1"/>
-          </p:cNvSpPr>
-          <p:nvPr>
-            <p:ph type="title"/>
-          </p:nvPr>
-        </p:nvSpPr>
-        <p:spPr/>
-        <p:txBody>
-          <a:bodyPr/>
-          <a:lstStyle/>
-          <a:p>
-            <a:endParaRPr lang="en-US"/>
-          </a:p>
-        </p:txBody>
-      </p:sp>
-      <p:sp>
-        <p:nvSpPr>
-          <p:cNvPr id="3" name="Content Placeholder 2"/>
-          <p:cNvSpPr>
-            <a:spLocks noGrp="1"/>
-          </p:cNvSpPr>
-          <p:nvPr>
-            <p:ph idx="1"/>
-          </p:nvPr>
-        </p:nvSpPr>
-        <p:spPr/>
-        <p:txBody>
-          <a:bodyPr/>
-          <a:lstStyle/>
-          <a:p>
-            <a:endParaRPr lang="en-US"/>
-          </a:p>
-        </p:txBody>
-      </p:sp>
-      <p:sp>
-        <p:nvSpPr>
-          <p:cNvPr id="4" name="Footer Placeholder 3"/>
-          <p:cNvSpPr>
-            <a:spLocks noGrp="1"/>
-          </p:cNvSpPr>
-          <p:nvPr>
-            <p:ph type="ftr" sz="quarter" idx="10"/>
-          </p:nvPr>
-        </p:nvSpPr>
-        <p:spPr/>
-        <p:txBody>
-          <a:bodyPr/>
-          <a:lstStyle/>
-          <a:p>
-            <a:r>
-              <a:rPr lang="en-US" smtClean="0"/>
-              <a:t>Mortality Components</a:t>
-            </a:r>
-            <a:endParaRPr lang="en-US"/>
-          </a:p>
-        </p:txBody>
-      </p:sp>
-      <p:sp>
-        <p:nvSpPr>
-          <p:cNvPr id="5" name="Slide Number Placeholder 4"/>
-          <p:cNvSpPr>
-            <a:spLocks noGrp="1"/>
-          </p:cNvSpPr>
-          <p:nvPr>
-            <p:ph type="sldNum" sz="quarter" idx="11"/>
-          </p:nvPr>
-        </p:nvSpPr>
-        <p:spPr/>
-        <p:txBody>
-          <a:bodyPr/>
-          <a:lstStyle/>
-          <a:p>
-            <a:fld id="{CD41EA97-E434-4B42-9B1A-D37266F43B39}" type="slidenum">
-              <a:rPr lang="en-US" smtClean="0"/>
-              <a:pPr/>
-              <a:t>19</a:t>
-            </a:fld>
-            <a:endParaRPr lang="en-US"/>
-          </a:p>
-        </p:txBody>
-      </p:sp>
-    </p:spTree>
-    <p:extLst>
-      <p:ext uri="{BB962C8B-B14F-4D97-AF65-F5344CB8AC3E}">
-        <p14:creationId xmlns:p14="http://schemas.microsoft.com/office/powerpoint/2010/main" val="1421322419"/>
-      </p:ext>
-    </p:extLst>
-  </p:cSld>
-  <p:clrMapOvr>
-    <a:masterClrMapping/>
-  </p:clrMapOvr>
-  <p:timing>
-    <p:tnLst>
-      <p:par>
-        <p:cTn id="1" dur="indefinite" restart="never" nodeType="tmRoot"/>
-      </p:par>
-    </p:tnLst>
-  </p:timing>
-</p:sld>
-</file>
-
 <file path=ppt/slides/slide2.xml><?xml version="1.0" encoding="utf-8"?>
-<p:sld xmlns:a="http://schemas.openxmlformats.org/drawingml/2006/main" xmlns:r="http://schemas.openxmlformats.org/officeDocument/2006/relationships" xmlns:p="http://schemas.openxmlformats.org/presentationml/2006/main">
+<p:sld xmlns:a="http://schemas.openxmlformats.org/drawingml/2006/main" xmlns:r="http://schemas.openxmlformats.org/officeDocument/2006/relationships" xmlns:p="http://schemas.openxmlformats.org/presentationml/2006/main" show="0">
   <p:cSld>
     <p:spTree>
       <p:nvGrpSpPr>
@@ -20899,6 +20926,14 @@
   <p:clrMapOvr>
     <a:masterClrMapping/>
   </p:clrMapOvr>
+  <mc:AlternateContent xmlns:mc="http://schemas.openxmlformats.org/markup-compatibility/2006">
+    <mc:Choice xmlns:p14="http://schemas.microsoft.com/office/powerpoint/2010/main" Requires="p14">
+      <p:transition spd="slow" p14:dur="2000"/>
+    </mc:Choice>
+    <mc:Fallback>
+      <p:transition spd="slow"/>
+    </mc:Fallback>
+  </mc:AlternateContent>
   <p:timing>
     <p:tnLst>
       <p:par>
@@ -20985,7 +21020,306 @@
 </file>
 
 <file path=ppt/slides/slide20.xml><?xml version="1.0" encoding="utf-8"?>
-<p:sld xmlns:a="http://schemas.openxmlformats.org/drawingml/2006/main" xmlns:r="http://schemas.openxmlformats.org/officeDocument/2006/relationships" xmlns:p="http://schemas.openxmlformats.org/presentationml/2006/main">
+<p:sld xmlns:a="http://schemas.openxmlformats.org/drawingml/2006/main" xmlns:r="http://schemas.openxmlformats.org/officeDocument/2006/relationships" xmlns:p="http://schemas.openxmlformats.org/presentationml/2006/main" show="0">
+  <p:cSld>
+    <p:spTree>
+      <p:nvGrpSpPr>
+        <p:cNvPr id="1" name=""/>
+        <p:cNvGrpSpPr/>
+        <p:nvPr/>
+      </p:nvGrpSpPr>
+      <p:grpSpPr>
+        <a:xfrm>
+          <a:off x="0" y="0"/>
+          <a:ext cx="0" cy="0"/>
+          <a:chOff x="0" y="0"/>
+          <a:chExt cx="0" cy="0"/>
+        </a:xfrm>
+      </p:grpSpPr>
+      <p:sp>
+        <p:nvSpPr>
+          <p:cNvPr id="2" name="Title 1"/>
+          <p:cNvSpPr>
+            <a:spLocks noGrp="1"/>
+          </p:cNvSpPr>
+          <p:nvPr>
+            <p:ph type="title"/>
+          </p:nvPr>
+        </p:nvSpPr>
+        <p:spPr/>
+        <p:txBody>
+          <a:bodyPr/>
+          <a:lstStyle/>
+          <a:p>
+            <a:r>
+              <a:rPr lang="en-US" dirty="0" smtClean="0"/>
+              <a:t>Estimating u</a:t>
+            </a:r>
+            <a:endParaRPr lang="en-US" dirty="0"/>
+          </a:p>
+        </p:txBody>
+      </p:sp>
+      <p:sp>
+        <p:nvSpPr>
+          <p:cNvPr id="3" name="Content Placeholder 2"/>
+          <p:cNvSpPr>
+            <a:spLocks noGrp="1"/>
+          </p:cNvSpPr>
+          <p:nvPr>
+            <p:ph idx="1"/>
+          </p:nvPr>
+        </p:nvSpPr>
+        <p:spPr>
+          <a:xfrm>
+            <a:off x="457200" y="1143000"/>
+            <a:ext cx="8610600" cy="5334000"/>
+          </a:xfrm>
+        </p:spPr>
+        <p:txBody>
+          <a:bodyPr/>
+          <a:lstStyle/>
+          <a:p>
+            <a:r>
+              <a:rPr lang="en-US" dirty="0" smtClean="0"/>
+              <a:t>Divide annual harvest by estimate of N.</a:t>
+            </a:r>
+          </a:p>
+          <a:p>
+            <a:endParaRPr lang="en-US" dirty="0"/>
+          </a:p>
+          <a:p>
+            <a:r>
+              <a:rPr lang="en-US" dirty="0" smtClean="0"/>
+              <a:t>Divide harvested tagged fish by number of tagged fish released.</a:t>
+            </a:r>
+          </a:p>
+          <a:p>
+            <a:endParaRPr lang="en-US" dirty="0"/>
+          </a:p>
+          <a:p>
+            <a:r>
+              <a:rPr lang="en-US" b="1" dirty="0" smtClean="0">
+                <a:solidFill>
+                  <a:srgbClr val="FF0000"/>
+                </a:solidFill>
+              </a:rPr>
+              <a:t>Recall that these estimates are only valid if ratios of fishing and natural mortality are constant throughout the year.</a:t>
+            </a:r>
+            <a:endParaRPr lang="en-US" b="1" dirty="0">
+              <a:solidFill>
+                <a:srgbClr val="FF0000"/>
+              </a:solidFill>
+            </a:endParaRPr>
+          </a:p>
+        </p:txBody>
+      </p:sp>
+      <p:sp>
+        <p:nvSpPr>
+          <p:cNvPr id="4" name="Footer Placeholder 3"/>
+          <p:cNvSpPr>
+            <a:spLocks noGrp="1"/>
+          </p:cNvSpPr>
+          <p:nvPr>
+            <p:ph type="ftr" sz="quarter" idx="10"/>
+          </p:nvPr>
+        </p:nvSpPr>
+        <p:spPr/>
+        <p:txBody>
+          <a:bodyPr/>
+          <a:lstStyle/>
+          <a:p>
+            <a:r>
+              <a:rPr lang="en-US" smtClean="0"/>
+              <a:t>Mortality Components</a:t>
+            </a:r>
+            <a:endParaRPr lang="en-US"/>
+          </a:p>
+        </p:txBody>
+      </p:sp>
+      <p:sp>
+        <p:nvSpPr>
+          <p:cNvPr id="5" name="Slide Number Placeholder 4"/>
+          <p:cNvSpPr>
+            <a:spLocks noGrp="1"/>
+          </p:cNvSpPr>
+          <p:nvPr>
+            <p:ph type="sldNum" sz="quarter" idx="11"/>
+          </p:nvPr>
+        </p:nvSpPr>
+        <p:spPr/>
+        <p:txBody>
+          <a:bodyPr/>
+          <a:lstStyle/>
+          <a:p>
+            <a:fld id="{CD41EA97-E434-4B42-9B1A-D37266F43B39}" type="slidenum">
+              <a:rPr lang="en-US" smtClean="0"/>
+              <a:pPr/>
+              <a:t>20</a:t>
+            </a:fld>
+            <a:endParaRPr lang="en-US"/>
+          </a:p>
+        </p:txBody>
+      </p:sp>
+    </p:spTree>
+    <p:extLst>
+      <p:ext uri="{BB962C8B-B14F-4D97-AF65-F5344CB8AC3E}">
+        <p14:creationId xmlns:p14="http://schemas.microsoft.com/office/powerpoint/2010/main" val="4070222619"/>
+      </p:ext>
+    </p:extLst>
+  </p:cSld>
+  <p:clrMapOvr>
+    <a:masterClrMapping/>
+  </p:clrMapOvr>
+  <mc:AlternateContent xmlns:mc="http://schemas.openxmlformats.org/markup-compatibility/2006">
+    <mc:Choice xmlns:p14="http://schemas.microsoft.com/office/powerpoint/2010/main" Requires="p14">
+      <p:transition spd="slow" p14:dur="2000"/>
+    </mc:Choice>
+    <mc:Fallback>
+      <p:transition spd="slow"/>
+    </mc:Fallback>
+  </mc:AlternateContent>
+  <p:timing>
+    <p:tnLst>
+      <p:par>
+        <p:cTn id="1" dur="indefinite" restart="never" nodeType="tmRoot"/>
+      </p:par>
+    </p:tnLst>
+  </p:timing>
+</p:sld>
+</file>
+
+<file path=ppt/slides/slide21.xml><?xml version="1.0" encoding="utf-8"?>
+<p:sld xmlns:a="http://schemas.openxmlformats.org/drawingml/2006/main" xmlns:r="http://schemas.openxmlformats.org/officeDocument/2006/relationships" xmlns:p="http://schemas.openxmlformats.org/presentationml/2006/main" show="0">
+  <p:cSld>
+    <p:spTree>
+      <p:nvGrpSpPr>
+        <p:cNvPr id="1" name=""/>
+        <p:cNvGrpSpPr/>
+        <p:nvPr/>
+      </p:nvGrpSpPr>
+      <p:grpSpPr>
+        <a:xfrm>
+          <a:off x="0" y="0"/>
+          <a:ext cx="0" cy="0"/>
+          <a:chOff x="0" y="0"/>
+          <a:chExt cx="0" cy="0"/>
+        </a:xfrm>
+      </p:grpSpPr>
+      <p:sp>
+        <p:nvSpPr>
+          <p:cNvPr id="2" name="Title 1"/>
+          <p:cNvSpPr>
+            <a:spLocks noGrp="1"/>
+          </p:cNvSpPr>
+          <p:nvPr>
+            <p:ph type="title"/>
+          </p:nvPr>
+        </p:nvSpPr>
+        <p:spPr/>
+        <p:txBody>
+          <a:bodyPr/>
+          <a:lstStyle/>
+          <a:p>
+            <a:endParaRPr lang="en-US"/>
+          </a:p>
+        </p:txBody>
+      </p:sp>
+      <p:sp>
+        <p:nvSpPr>
+          <p:cNvPr id="3" name="Content Placeholder 2"/>
+          <p:cNvSpPr>
+            <a:spLocks noGrp="1"/>
+          </p:cNvSpPr>
+          <p:nvPr>
+            <p:ph idx="1"/>
+          </p:nvPr>
+        </p:nvSpPr>
+        <p:spPr/>
+        <p:txBody>
+          <a:bodyPr/>
+          <a:lstStyle/>
+          <a:p>
+            <a:endParaRPr lang="en-US"/>
+          </a:p>
+        </p:txBody>
+      </p:sp>
+      <p:sp>
+        <p:nvSpPr>
+          <p:cNvPr id="4" name="Footer Placeholder 3"/>
+          <p:cNvSpPr>
+            <a:spLocks noGrp="1"/>
+          </p:cNvSpPr>
+          <p:nvPr>
+            <p:ph type="ftr" sz="quarter" idx="10"/>
+          </p:nvPr>
+        </p:nvSpPr>
+        <p:spPr/>
+        <p:txBody>
+          <a:bodyPr/>
+          <a:lstStyle/>
+          <a:p>
+            <a:r>
+              <a:rPr lang="en-US" smtClean="0"/>
+              <a:t>Mortality Components</a:t>
+            </a:r>
+            <a:endParaRPr lang="en-US"/>
+          </a:p>
+        </p:txBody>
+      </p:sp>
+      <p:sp>
+        <p:nvSpPr>
+          <p:cNvPr id="5" name="Slide Number Placeholder 4"/>
+          <p:cNvSpPr>
+            <a:spLocks noGrp="1"/>
+          </p:cNvSpPr>
+          <p:nvPr>
+            <p:ph type="sldNum" sz="quarter" idx="11"/>
+          </p:nvPr>
+        </p:nvSpPr>
+        <p:spPr/>
+        <p:txBody>
+          <a:bodyPr/>
+          <a:lstStyle/>
+          <a:p>
+            <a:fld id="{CD41EA97-E434-4B42-9B1A-D37266F43B39}" type="slidenum">
+              <a:rPr lang="en-US" smtClean="0"/>
+              <a:pPr/>
+              <a:t>21</a:t>
+            </a:fld>
+            <a:endParaRPr lang="en-US"/>
+          </a:p>
+        </p:txBody>
+      </p:sp>
+    </p:spTree>
+    <p:extLst>
+      <p:ext uri="{BB962C8B-B14F-4D97-AF65-F5344CB8AC3E}">
+        <p14:creationId xmlns:p14="http://schemas.microsoft.com/office/powerpoint/2010/main" val="1421322419"/>
+      </p:ext>
+    </p:extLst>
+  </p:cSld>
+  <p:clrMapOvr>
+    <a:masterClrMapping/>
+  </p:clrMapOvr>
+  <mc:AlternateContent xmlns:mc="http://schemas.openxmlformats.org/markup-compatibility/2006">
+    <mc:Choice xmlns:p14="http://schemas.microsoft.com/office/powerpoint/2010/main" Requires="p14">
+      <p:transition spd="slow" p14:dur="2000"/>
+    </mc:Choice>
+    <mc:Fallback>
+      <p:transition spd="slow"/>
+    </mc:Fallback>
+  </mc:AlternateContent>
+  <p:timing>
+    <p:tnLst>
+      <p:par>
+        <p:cTn id="1" dur="indefinite" restart="never" nodeType="tmRoot"/>
+      </p:par>
+    </p:tnLst>
+  </p:timing>
+</p:sld>
+</file>
+
+<file path=ppt/slides/slide22.xml><?xml version="1.0" encoding="utf-8"?>
+<p:sld xmlns:a="http://schemas.openxmlformats.org/drawingml/2006/main" xmlns:r="http://schemas.openxmlformats.org/officeDocument/2006/relationships" xmlns:p="http://schemas.openxmlformats.org/presentationml/2006/main" show="0">
   <p:cSld>
     <p:spTree>
       <p:nvGrpSpPr>
@@ -21042,7 +21376,7 @@
             <a:fld id="{170A5CBA-EE77-45C6-A259-18D0A0F85CCA}" type="slidenum">
               <a:rPr lang="en-US"/>
               <a:pPr/>
-              <a:t>20</a:t>
+              <a:t>22</a:t>
             </a:fld>
             <a:endParaRPr lang="en-US"/>
           </a:p>
@@ -21269,6 +21603,14 @@
   <p:clrMapOvr>
     <a:masterClrMapping/>
   </p:clrMapOvr>
+  <mc:AlternateContent xmlns:mc="http://schemas.openxmlformats.org/markup-compatibility/2006">
+    <mc:Choice xmlns:p14="http://schemas.microsoft.com/office/powerpoint/2010/main" Requires="p14">
+      <p:transition spd="slow" p14:dur="2000"/>
+    </mc:Choice>
+    <mc:Fallback>
+      <p:transition spd="slow"/>
+    </mc:Fallback>
+  </mc:AlternateContent>
   <p:timing>
     <p:tnLst>
       <p:par>
@@ -21603,8 +21945,8 @@
 </p:sld>
 </file>
 
-<file path=ppt/slides/slide21.xml><?xml version="1.0" encoding="utf-8"?>
-<p:sld xmlns:a="http://schemas.openxmlformats.org/drawingml/2006/main" xmlns:r="http://schemas.openxmlformats.org/officeDocument/2006/relationships" xmlns:p="http://schemas.openxmlformats.org/presentationml/2006/main">
+<file path=ppt/slides/slide23.xml><?xml version="1.0" encoding="utf-8"?>
+<p:sld xmlns:a="http://schemas.openxmlformats.org/drawingml/2006/main" xmlns:r="http://schemas.openxmlformats.org/officeDocument/2006/relationships" xmlns:p="http://schemas.openxmlformats.org/presentationml/2006/main" show="0">
   <p:cSld>
     <p:spTree>
       <p:nvGrpSpPr>
@@ -21661,7 +22003,7 @@
             <a:fld id="{D7A0E3EA-0C36-40CC-B5D8-9DE7525091DC}" type="slidenum">
               <a:rPr lang="en-US"/>
               <a:pPr/>
-              <a:t>21</a:t>
+              <a:t>23</a:t>
             </a:fld>
             <a:endParaRPr lang="en-US"/>
           </a:p>
@@ -21863,6 +22205,14 @@
   <p:clrMapOvr>
     <a:masterClrMapping/>
   </p:clrMapOvr>
+  <mc:AlternateContent xmlns:mc="http://schemas.openxmlformats.org/markup-compatibility/2006">
+    <mc:Choice xmlns:p14="http://schemas.microsoft.com/office/powerpoint/2010/main" Requires="p14">
+      <p:transition spd="slow" p14:dur="2000"/>
+    </mc:Choice>
+    <mc:Fallback>
+      <p:transition spd="slow"/>
+    </mc:Fallback>
+  </mc:AlternateContent>
   <p:timing>
     <p:tnLst>
       <p:par>
@@ -22138,8 +22488,8 @@
 </p:sld>
 </file>
 
-<file path=ppt/slides/slide22.xml><?xml version="1.0" encoding="utf-8"?>
-<p:sld xmlns:a="http://schemas.openxmlformats.org/drawingml/2006/main" xmlns:r="http://schemas.openxmlformats.org/officeDocument/2006/relationships" xmlns:p="http://schemas.openxmlformats.org/presentationml/2006/main">
+<file path=ppt/slides/slide24.xml><?xml version="1.0" encoding="utf-8"?>
+<p:sld xmlns:a="http://schemas.openxmlformats.org/drawingml/2006/main" xmlns:r="http://schemas.openxmlformats.org/officeDocument/2006/relationships" xmlns:p="http://schemas.openxmlformats.org/presentationml/2006/main" show="0">
   <p:cSld>
     <p:spTree>
       <p:nvGrpSpPr>
@@ -22196,7 +22546,7 @@
             <a:fld id="{2718A24F-E62C-4120-B0DD-8B7B1D480092}" type="slidenum">
               <a:rPr lang="en-US"/>
               <a:pPr/>
-              <a:t>22</a:t>
+              <a:t>24</a:t>
             </a:fld>
             <a:endParaRPr lang="en-US"/>
           </a:p>
@@ -22389,6 +22739,14 @@
   <p:clrMapOvr>
     <a:masterClrMapping/>
   </p:clrMapOvr>
+  <mc:AlternateContent xmlns:mc="http://schemas.openxmlformats.org/markup-compatibility/2006">
+    <mc:Choice xmlns:p14="http://schemas.microsoft.com/office/powerpoint/2010/main" Requires="p14">
+      <p:transition spd="slow" p14:dur="2000"/>
+    </mc:Choice>
+    <mc:Fallback>
+      <p:transition spd="slow"/>
+    </mc:Fallback>
+  </mc:AlternateContent>
   <p:timing>
     <p:tnLst>
       <p:par>
@@ -22652,8 +23010,8 @@
 </p:sld>
 </file>
 
-<file path=ppt/slides/slide23.xml><?xml version="1.0" encoding="utf-8"?>
-<p:sld xmlns:a="http://schemas.openxmlformats.org/drawingml/2006/main" xmlns:r="http://schemas.openxmlformats.org/officeDocument/2006/relationships" xmlns:p="http://schemas.openxmlformats.org/presentationml/2006/main">
+<file path=ppt/slides/slide25.xml><?xml version="1.0" encoding="utf-8"?>
+<p:sld xmlns:a="http://schemas.openxmlformats.org/drawingml/2006/main" xmlns:r="http://schemas.openxmlformats.org/officeDocument/2006/relationships" xmlns:p="http://schemas.openxmlformats.org/presentationml/2006/main" show="0">
   <p:cSld>
     <p:spTree>
       <p:nvGrpSpPr>
@@ -22710,7 +23068,7 @@
             <a:fld id="{319D3E82-01FD-44E5-B41C-C049F4B3AA45}" type="slidenum">
               <a:rPr lang="en-US"/>
               <a:pPr/>
-              <a:t>23</a:t>
+              <a:t>25</a:t>
             </a:fld>
             <a:endParaRPr lang="en-US"/>
           </a:p>
@@ -22797,6 +23155,14 @@
   <p:clrMapOvr>
     <a:masterClrMapping/>
   </p:clrMapOvr>
+  <mc:AlternateContent xmlns:mc="http://schemas.openxmlformats.org/markup-compatibility/2006">
+    <mc:Choice xmlns:p14="http://schemas.microsoft.com/office/powerpoint/2010/main" Requires="p14">
+      <p:transition spd="slow" p14:dur="2000"/>
+    </mc:Choice>
+    <mc:Fallback>
+      <p:transition spd="slow"/>
+    </mc:Fallback>
+  </mc:AlternateContent>
   <p:timing>
     <p:tnLst>
       <p:par>
@@ -22981,7 +23347,7 @@
 </file>
 
 <file path=ppt/slides/slide3.xml><?xml version="1.0" encoding="utf-8"?>
-<p:sld xmlns:a="http://schemas.openxmlformats.org/drawingml/2006/main" xmlns:r="http://schemas.openxmlformats.org/officeDocument/2006/relationships" xmlns:p="http://schemas.openxmlformats.org/presentationml/2006/main">
+<p:sld xmlns:a="http://schemas.openxmlformats.org/drawingml/2006/main" xmlns:r="http://schemas.openxmlformats.org/officeDocument/2006/relationships" xmlns:p="http://schemas.openxmlformats.org/presentationml/2006/main" show="0">
   <p:cSld>
     <p:spTree>
       <p:nvGrpSpPr>
@@ -23225,6 +23591,14 @@
   <p:clrMapOvr>
     <a:masterClrMapping/>
   </p:clrMapOvr>
+  <mc:AlternateContent xmlns:mc="http://schemas.openxmlformats.org/markup-compatibility/2006">
+    <mc:Choice xmlns:p14="http://schemas.microsoft.com/office/powerpoint/2010/main" Requires="p14">
+      <p:transition spd="slow" p14:dur="2000"/>
+    </mc:Choice>
+    <mc:Fallback>
+      <p:transition spd="slow"/>
+    </mc:Fallback>
+  </mc:AlternateContent>
   <p:timing>
     <p:tnLst>
       <p:par>
@@ -23556,7 +23930,7 @@
 </file>
 
 <file path=ppt/slides/slide4.xml><?xml version="1.0" encoding="utf-8"?>
-<p:sld xmlns:a="http://schemas.openxmlformats.org/drawingml/2006/main" xmlns:r="http://schemas.openxmlformats.org/officeDocument/2006/relationships" xmlns:p="http://schemas.openxmlformats.org/presentationml/2006/main">
+<p:sld xmlns:a="http://schemas.openxmlformats.org/drawingml/2006/main" xmlns:r="http://schemas.openxmlformats.org/officeDocument/2006/relationships" xmlns:p="http://schemas.openxmlformats.org/presentationml/2006/main" show="0">
   <p:cSld>
     <p:spTree>
       <p:nvGrpSpPr>
@@ -23667,6 +24041,14 @@
   <p:clrMapOvr>
     <a:masterClrMapping/>
   </p:clrMapOvr>
+  <mc:AlternateContent xmlns:mc="http://schemas.openxmlformats.org/markup-compatibility/2006">
+    <mc:Choice xmlns:p14="http://schemas.microsoft.com/office/powerpoint/2010/main" Requires="p14">
+      <p:transition spd="slow" p14:dur="2000"/>
+    </mc:Choice>
+    <mc:Fallback>
+      <p:transition spd="slow"/>
+    </mc:Fallback>
+  </mc:AlternateContent>
   <p:timing>
     <p:tnLst>
       <p:par>
@@ -24955,7 +25337,7 @@
 </file>
 
 <file path=ppt/slides/slide9.xml><?xml version="1.0" encoding="utf-8"?>
-<p:sld xmlns:a="http://schemas.openxmlformats.org/drawingml/2006/main" xmlns:r="http://schemas.openxmlformats.org/officeDocument/2006/relationships" xmlns:p="http://schemas.openxmlformats.org/presentationml/2006/main">
+<p:sld xmlns:a="http://schemas.openxmlformats.org/drawingml/2006/main" xmlns:r="http://schemas.openxmlformats.org/officeDocument/2006/relationships" xmlns:p="http://schemas.openxmlformats.org/presentationml/2006/main" show="0">
   <p:cSld>
     <p:spTree>
       <p:nvGrpSpPr>
@@ -25137,6 +25519,14 @@
   <p:clrMapOvr>
     <a:masterClrMapping/>
   </p:clrMapOvr>
+  <mc:AlternateContent xmlns:mc="http://schemas.openxmlformats.org/markup-compatibility/2006">
+    <mc:Choice xmlns:p14="http://schemas.microsoft.com/office/powerpoint/2010/main" Requires="p14">
+      <p:transition spd="slow" p14:dur="2000"/>
+    </mc:Choice>
+    <mc:Fallback>
+      <p:transition spd="slow"/>
+    </mc:Fallback>
+  </mc:AlternateContent>
   <p:timing>
     <p:tnLst>
       <p:par>
